--- a/2_integration/2_integration_slides.pptx
+++ b/2_integration/2_integration_slides.pptx
@@ -241,7 +241,7 @@
           <a:p>
             <a:fld id="{70CAA0C7-EE65-41B5-BC6E-37348367D53D}" type="datetimeFigureOut">
               <a:rPr lang="de-DE" smtClean="0"/>
-              <a:t>09.06.2023</a:t>
+              <a:t>07.07.2023</a:t>
             </a:fld>
             <a:endParaRPr lang="de-DE"/>
           </a:p>
